--- a/图形学算法/线段求交/求交.pptx
+++ b/图形学算法/线段求交/求交.pptx
@@ -6,6 +6,8 @@
   </p:sldMasterIdLst>
   <p:sldIdLst>
     <p:sldId id="256" r:id="rId2"/>
+    <p:sldId id="257" r:id="rId3"/>
+    <p:sldId id="258" r:id="rId4"/>
   </p:sldIdLst>
   <p:sldSz cx="12192000" cy="6858000"/>
   <p:notesSz cx="6858000" cy="9144000"/>
@@ -259,7 +261,7 @@
           <a:p>
             <a:fld id="{4719EB08-D700-7A4F-82A3-1A72DDA3832D}" type="datetimeFigureOut">
               <a:rPr kumimoji="1" lang="zh-CN" altLang="en-US" smtClean="0"/>
-              <a:t>2021/11/22</a:t>
+              <a:t>2021/11/27</a:t>
             </a:fld>
             <a:endParaRPr kumimoji="1" lang="zh-CN" altLang="en-US"/>
           </a:p>
@@ -457,7 +459,7 @@
           <a:p>
             <a:fld id="{4719EB08-D700-7A4F-82A3-1A72DDA3832D}" type="datetimeFigureOut">
               <a:rPr kumimoji="1" lang="zh-CN" altLang="en-US" smtClean="0"/>
-              <a:t>2021/11/22</a:t>
+              <a:t>2021/11/27</a:t>
             </a:fld>
             <a:endParaRPr kumimoji="1" lang="zh-CN" altLang="en-US"/>
           </a:p>
@@ -665,7 +667,7 @@
           <a:p>
             <a:fld id="{4719EB08-D700-7A4F-82A3-1A72DDA3832D}" type="datetimeFigureOut">
               <a:rPr kumimoji="1" lang="zh-CN" altLang="en-US" smtClean="0"/>
-              <a:t>2021/11/22</a:t>
+              <a:t>2021/11/27</a:t>
             </a:fld>
             <a:endParaRPr kumimoji="1" lang="zh-CN" altLang="en-US"/>
           </a:p>
@@ -863,7 +865,7 @@
           <a:p>
             <a:fld id="{4719EB08-D700-7A4F-82A3-1A72DDA3832D}" type="datetimeFigureOut">
               <a:rPr kumimoji="1" lang="zh-CN" altLang="en-US" smtClean="0"/>
-              <a:t>2021/11/22</a:t>
+              <a:t>2021/11/27</a:t>
             </a:fld>
             <a:endParaRPr kumimoji="1" lang="zh-CN" altLang="en-US"/>
           </a:p>
@@ -1138,7 +1140,7 @@
           <a:p>
             <a:fld id="{4719EB08-D700-7A4F-82A3-1A72DDA3832D}" type="datetimeFigureOut">
               <a:rPr kumimoji="1" lang="zh-CN" altLang="en-US" smtClean="0"/>
-              <a:t>2021/11/22</a:t>
+              <a:t>2021/11/27</a:t>
             </a:fld>
             <a:endParaRPr kumimoji="1" lang="zh-CN" altLang="en-US"/>
           </a:p>
@@ -1403,7 +1405,7 @@
           <a:p>
             <a:fld id="{4719EB08-D700-7A4F-82A3-1A72DDA3832D}" type="datetimeFigureOut">
               <a:rPr kumimoji="1" lang="zh-CN" altLang="en-US" smtClean="0"/>
-              <a:t>2021/11/22</a:t>
+              <a:t>2021/11/27</a:t>
             </a:fld>
             <a:endParaRPr kumimoji="1" lang="zh-CN" altLang="en-US"/>
           </a:p>
@@ -1815,7 +1817,7 @@
           <a:p>
             <a:fld id="{4719EB08-D700-7A4F-82A3-1A72DDA3832D}" type="datetimeFigureOut">
               <a:rPr kumimoji="1" lang="zh-CN" altLang="en-US" smtClean="0"/>
-              <a:t>2021/11/22</a:t>
+              <a:t>2021/11/27</a:t>
             </a:fld>
             <a:endParaRPr kumimoji="1" lang="zh-CN" altLang="en-US"/>
           </a:p>
@@ -1956,7 +1958,7 @@
           <a:p>
             <a:fld id="{4719EB08-D700-7A4F-82A3-1A72DDA3832D}" type="datetimeFigureOut">
               <a:rPr kumimoji="1" lang="zh-CN" altLang="en-US" smtClean="0"/>
-              <a:t>2021/11/22</a:t>
+              <a:t>2021/11/27</a:t>
             </a:fld>
             <a:endParaRPr kumimoji="1" lang="zh-CN" altLang="en-US"/>
           </a:p>
@@ -2069,7 +2071,7 @@
           <a:p>
             <a:fld id="{4719EB08-D700-7A4F-82A3-1A72DDA3832D}" type="datetimeFigureOut">
               <a:rPr kumimoji="1" lang="zh-CN" altLang="en-US" smtClean="0"/>
-              <a:t>2021/11/22</a:t>
+              <a:t>2021/11/27</a:t>
             </a:fld>
             <a:endParaRPr kumimoji="1" lang="zh-CN" altLang="en-US"/>
           </a:p>
@@ -2380,7 +2382,7 @@
           <a:p>
             <a:fld id="{4719EB08-D700-7A4F-82A3-1A72DDA3832D}" type="datetimeFigureOut">
               <a:rPr kumimoji="1" lang="zh-CN" altLang="en-US" smtClean="0"/>
-              <a:t>2021/11/22</a:t>
+              <a:t>2021/11/27</a:t>
             </a:fld>
             <a:endParaRPr kumimoji="1" lang="zh-CN" altLang="en-US"/>
           </a:p>
@@ -2668,7 +2670,7 @@
           <a:p>
             <a:fld id="{4719EB08-D700-7A4F-82A3-1A72DDA3832D}" type="datetimeFigureOut">
               <a:rPr kumimoji="1" lang="zh-CN" altLang="en-US" smtClean="0"/>
-              <a:t>2021/11/22</a:t>
+              <a:t>2021/11/27</a:t>
             </a:fld>
             <a:endParaRPr kumimoji="1" lang="zh-CN" altLang="en-US"/>
           </a:p>
@@ -2909,7 +2911,7 @@
           <a:p>
             <a:fld id="{4719EB08-D700-7A4F-82A3-1A72DDA3832D}" type="datetimeFigureOut">
               <a:rPr kumimoji="1" lang="zh-CN" altLang="en-US" smtClean="0"/>
-              <a:t>2021/11/22</a:t>
+              <a:t>2021/11/27</a:t>
             </a:fld>
             <a:endParaRPr kumimoji="1" lang="zh-CN" altLang="en-US"/>
           </a:p>
@@ -3342,7 +3344,7 @@
         </p:nvCxnSpPr>
         <p:spPr>
           <a:xfrm flipV="1">
-            <a:off x="1996966" y="3878317"/>
+            <a:off x="4372304" y="3611215"/>
             <a:ext cx="4246179" cy="1"/>
           </a:xfrm>
           <a:prstGeom prst="straightConnector1">
@@ -3386,7 +3388,7 @@
         </p:nvCxnSpPr>
         <p:spPr>
           <a:xfrm flipV="1">
-            <a:off x="3244070" y="2746420"/>
+            <a:off x="3328153" y="3660606"/>
             <a:ext cx="4246179" cy="1"/>
           </a:xfrm>
           <a:prstGeom prst="straightConnector1">
@@ -3428,7 +3430,7 @@
         </p:nvSpPr>
         <p:spPr>
           <a:xfrm>
-            <a:off x="3026536" y="2266682"/>
+            <a:off x="3110619" y="3180868"/>
             <a:ext cx="317716" cy="369332"/>
           </a:xfrm>
           <a:prstGeom prst="rect">
@@ -3464,7 +3466,7 @@
         </p:nvSpPr>
         <p:spPr>
           <a:xfrm>
-            <a:off x="7331391" y="2257023"/>
+            <a:off x="7415474" y="3171209"/>
             <a:ext cx="550151" cy="369332"/>
           </a:xfrm>
           <a:prstGeom prst="rect">
@@ -3500,7 +3502,7 @@
         </p:nvSpPr>
         <p:spPr>
           <a:xfrm>
-            <a:off x="1791145" y="3932291"/>
+            <a:off x="4166483" y="3213248"/>
             <a:ext cx="317716" cy="369332"/>
           </a:xfrm>
           <a:prstGeom prst="rect">
@@ -3536,7 +3538,7 @@
         </p:nvSpPr>
         <p:spPr>
           <a:xfrm>
-            <a:off x="5960054" y="3932291"/>
+            <a:off x="8335392" y="3192226"/>
             <a:ext cx="566181" cy="369332"/>
           </a:xfrm>
           <a:prstGeom prst="rect">
@@ -3558,10 +3560,2133 @@
           </a:p>
         </p:txBody>
       </p:sp>
+      <p:sp>
+        <p:nvSpPr>
+          <p:cNvPr id="2" name="椭圆 1">
+            <a:extLst>
+              <a:ext uri="{FF2B5EF4-FFF2-40B4-BE49-F238E27FC236}">
+                <a16:creationId xmlns:a16="http://schemas.microsoft.com/office/drawing/2014/main" id="{AF138906-8708-6C46-996F-A325C746A7C9}"/>
+              </a:ext>
+            </a:extLst>
+          </p:cNvPr>
+          <p:cNvSpPr/>
+          <p:nvPr/>
+        </p:nvSpPr>
+        <p:spPr>
+          <a:xfrm>
+            <a:off x="4372304" y="3582581"/>
+            <a:ext cx="111895" cy="120065"/>
+          </a:xfrm>
+          <a:prstGeom prst="ellipse">
+            <a:avLst/>
+          </a:prstGeom>
+        </p:spPr>
+        <p:style>
+          <a:lnRef idx="2">
+            <a:schemeClr val="accent1">
+              <a:shade val="50000"/>
+            </a:schemeClr>
+          </a:lnRef>
+          <a:fillRef idx="1">
+            <a:schemeClr val="accent1"/>
+          </a:fillRef>
+          <a:effectRef idx="0">
+            <a:schemeClr val="accent1"/>
+          </a:effectRef>
+          <a:fontRef idx="minor">
+            <a:schemeClr val="lt1"/>
+          </a:fontRef>
+        </p:style>
+        <p:txBody>
+          <a:bodyPr rtlCol="0" anchor="ctr"/>
+          <a:lstStyle/>
+          <a:p>
+            <a:pPr algn="ctr"/>
+            <a:endParaRPr kumimoji="1" lang="zh-CN" altLang="en-US"/>
+          </a:p>
+        </p:txBody>
+      </p:sp>
+      <p:sp>
+        <p:nvSpPr>
+          <p:cNvPr id="9" name="椭圆 8">
+            <a:extLst>
+              <a:ext uri="{FF2B5EF4-FFF2-40B4-BE49-F238E27FC236}">
+                <a16:creationId xmlns:a16="http://schemas.microsoft.com/office/drawing/2014/main" id="{FC2DBFAE-5247-2741-951E-7FEFF4AB9B75}"/>
+              </a:ext>
+            </a:extLst>
+          </p:cNvPr>
+          <p:cNvSpPr/>
+          <p:nvPr/>
+        </p:nvSpPr>
+        <p:spPr>
+          <a:xfrm>
+            <a:off x="8562534" y="3582580"/>
+            <a:ext cx="111895" cy="120065"/>
+          </a:xfrm>
+          <a:prstGeom prst="ellipse">
+            <a:avLst/>
+          </a:prstGeom>
+        </p:spPr>
+        <p:style>
+          <a:lnRef idx="2">
+            <a:schemeClr val="accent1">
+              <a:shade val="50000"/>
+            </a:schemeClr>
+          </a:lnRef>
+          <a:fillRef idx="1">
+            <a:schemeClr val="accent1"/>
+          </a:fillRef>
+          <a:effectRef idx="0">
+            <a:schemeClr val="accent1"/>
+          </a:effectRef>
+          <a:fontRef idx="minor">
+            <a:schemeClr val="lt1"/>
+          </a:fontRef>
+        </p:style>
+        <p:txBody>
+          <a:bodyPr rtlCol="0" anchor="ctr"/>
+          <a:lstStyle/>
+          <a:p>
+            <a:pPr algn="ctr"/>
+            <a:endParaRPr kumimoji="1" lang="zh-CN" altLang="en-US"/>
+          </a:p>
+        </p:txBody>
+      </p:sp>
+      <p:sp>
+        <p:nvSpPr>
+          <p:cNvPr id="3" name="文本框 2">
+            <a:extLst>
+              <a:ext uri="{FF2B5EF4-FFF2-40B4-BE49-F238E27FC236}">
+                <a16:creationId xmlns:a16="http://schemas.microsoft.com/office/drawing/2014/main" id="{0E1324A5-6944-114D-A2FE-61FC8871985F}"/>
+              </a:ext>
+            </a:extLst>
+          </p:cNvPr>
+          <p:cNvSpPr txBox="1"/>
+          <p:nvPr/>
+        </p:nvSpPr>
+        <p:spPr>
+          <a:xfrm>
+            <a:off x="3615483" y="3780671"/>
+            <a:ext cx="1835759" cy="369332"/>
+          </a:xfrm>
+          <a:prstGeom prst="rect">
+            <a:avLst/>
+          </a:prstGeom>
+          <a:noFill/>
+        </p:spPr>
+        <p:txBody>
+          <a:bodyPr wrap="none" rtlCol="0">
+            <a:spAutoFit/>
+          </a:bodyPr>
+          <a:lstStyle/>
+          <a:p>
+            <a:r>
+              <a:rPr kumimoji="1" lang="en-US" altLang="zh-CN" dirty="0"/>
+              <a:t>q</a:t>
+            </a:r>
+            <a:r>
+              <a:rPr kumimoji="1" lang="zh-CN" altLang="en-US" dirty="0"/>
+              <a:t>在</a:t>
+            </a:r>
+            <a:r>
+              <a:rPr kumimoji="1" lang="en-US" altLang="zh-CN" dirty="0"/>
+              <a:t>p</a:t>
+            </a:r>
+            <a:r>
+              <a:rPr kumimoji="1" lang="zh-CN" altLang="en-US" dirty="0"/>
+              <a:t>上起点投影</a:t>
+            </a:r>
+          </a:p>
+        </p:txBody>
+      </p:sp>
+      <p:sp>
+        <p:nvSpPr>
+          <p:cNvPr id="11" name="文本框 10">
+            <a:extLst>
+              <a:ext uri="{FF2B5EF4-FFF2-40B4-BE49-F238E27FC236}">
+                <a16:creationId xmlns:a16="http://schemas.microsoft.com/office/drawing/2014/main" id="{7BE900FE-3E01-9C4F-AFC9-1D16F0A1F598}"/>
+              </a:ext>
+            </a:extLst>
+          </p:cNvPr>
+          <p:cNvSpPr txBox="1"/>
+          <p:nvPr/>
+        </p:nvSpPr>
+        <p:spPr>
+          <a:xfrm>
+            <a:off x="7644654" y="3731279"/>
+            <a:ext cx="1835759" cy="369332"/>
+          </a:xfrm>
+          <a:prstGeom prst="rect">
+            <a:avLst/>
+          </a:prstGeom>
+          <a:noFill/>
+        </p:spPr>
+        <p:txBody>
+          <a:bodyPr wrap="none" rtlCol="0">
+            <a:spAutoFit/>
+          </a:bodyPr>
+          <a:lstStyle/>
+          <a:p>
+            <a:r>
+              <a:rPr kumimoji="1" lang="en-US" altLang="zh-CN" dirty="0"/>
+              <a:t>q</a:t>
+            </a:r>
+            <a:r>
+              <a:rPr kumimoji="1" lang="zh-CN" altLang="en-US" dirty="0"/>
+              <a:t>在</a:t>
+            </a:r>
+            <a:r>
+              <a:rPr kumimoji="1" lang="en-US" altLang="zh-CN" dirty="0"/>
+              <a:t>p</a:t>
+            </a:r>
+            <a:r>
+              <a:rPr kumimoji="1" lang="zh-CN" altLang="en-US" dirty="0"/>
+              <a:t>上终点投影</a:t>
+            </a:r>
+          </a:p>
+        </p:txBody>
+      </p:sp>
+      <p:sp>
+        <p:nvSpPr>
+          <p:cNvPr id="5" name="右大括号 4">
+            <a:extLst>
+              <a:ext uri="{FF2B5EF4-FFF2-40B4-BE49-F238E27FC236}">
+                <a16:creationId xmlns:a16="http://schemas.microsoft.com/office/drawing/2014/main" id="{40863B18-D397-C349-BEE5-358BA67ED79A}"/>
+              </a:ext>
+            </a:extLst>
+          </p:cNvPr>
+          <p:cNvSpPr/>
+          <p:nvPr/>
+        </p:nvSpPr>
+        <p:spPr>
+          <a:xfrm rot="16200000">
+            <a:off x="3815120" y="2607210"/>
+            <a:ext cx="77032" cy="1050965"/>
+          </a:xfrm>
+          <a:prstGeom prst="rightBrace">
+            <a:avLst/>
+          </a:prstGeom>
+        </p:spPr>
+        <p:style>
+          <a:lnRef idx="1">
+            <a:schemeClr val="accent1"/>
+          </a:lnRef>
+          <a:fillRef idx="0">
+            <a:schemeClr val="accent1"/>
+          </a:fillRef>
+          <a:effectRef idx="0">
+            <a:schemeClr val="accent1"/>
+          </a:effectRef>
+          <a:fontRef idx="minor">
+            <a:schemeClr val="tx1"/>
+          </a:fontRef>
+        </p:style>
+        <p:txBody>
+          <a:bodyPr rtlCol="0" anchor="ctr"/>
+          <a:lstStyle/>
+          <a:p>
+            <a:pPr algn="ctr"/>
+            <a:endParaRPr kumimoji="1" lang="zh-CN" altLang="en-US"/>
+          </a:p>
+        </p:txBody>
+      </p:sp>
+      <p:sp>
+        <p:nvSpPr>
+          <p:cNvPr id="6" name="文本框 5">
+            <a:extLst>
+              <a:ext uri="{FF2B5EF4-FFF2-40B4-BE49-F238E27FC236}">
+                <a16:creationId xmlns:a16="http://schemas.microsoft.com/office/drawing/2014/main" id="{5538B2F0-B6CD-3443-833D-59DE6C822033}"/>
+              </a:ext>
+            </a:extLst>
+          </p:cNvPr>
+          <p:cNvSpPr txBox="1"/>
+          <p:nvPr/>
+        </p:nvSpPr>
+        <p:spPr>
+          <a:xfrm>
+            <a:off x="3068806" y="2662926"/>
+            <a:ext cx="1569660" cy="369332"/>
+          </a:xfrm>
+          <a:prstGeom prst="rect">
+            <a:avLst/>
+          </a:prstGeom>
+          <a:noFill/>
+        </p:spPr>
+        <p:txBody>
+          <a:bodyPr wrap="none" rtlCol="0">
+            <a:spAutoFit/>
+          </a:bodyPr>
+          <a:lstStyle/>
+          <a:p>
+            <a:r>
+              <a:rPr kumimoji="1" lang="zh-CN" altLang="en-US" dirty="0"/>
+              <a:t>起点投影长度</a:t>
+            </a:r>
+          </a:p>
+        </p:txBody>
+      </p:sp>
+      <p:sp>
+        <p:nvSpPr>
+          <p:cNvPr id="14" name="右大括号 13">
+            <a:extLst>
+              <a:ext uri="{FF2B5EF4-FFF2-40B4-BE49-F238E27FC236}">
+                <a16:creationId xmlns:a16="http://schemas.microsoft.com/office/drawing/2014/main" id="{5CC97659-FB18-674F-893F-88D29F8E9D19}"/>
+              </a:ext>
+            </a:extLst>
+          </p:cNvPr>
+          <p:cNvSpPr/>
+          <p:nvPr/>
+        </p:nvSpPr>
+        <p:spPr>
+          <a:xfrm rot="16200000">
+            <a:off x="5293290" y="235912"/>
+            <a:ext cx="198555" cy="4246180"/>
+          </a:xfrm>
+          <a:prstGeom prst="rightBrace">
+            <a:avLst/>
+          </a:prstGeom>
+        </p:spPr>
+        <p:style>
+          <a:lnRef idx="1">
+            <a:schemeClr val="accent1"/>
+          </a:lnRef>
+          <a:fillRef idx="0">
+            <a:schemeClr val="accent1"/>
+          </a:fillRef>
+          <a:effectRef idx="0">
+            <a:schemeClr val="accent1"/>
+          </a:effectRef>
+          <a:fontRef idx="minor">
+            <a:schemeClr val="tx1"/>
+          </a:fontRef>
+        </p:style>
+        <p:txBody>
+          <a:bodyPr rtlCol="0" anchor="ctr"/>
+          <a:lstStyle/>
+          <a:p>
+            <a:pPr algn="ctr"/>
+            <a:endParaRPr kumimoji="1" lang="zh-CN" altLang="en-US"/>
+          </a:p>
+        </p:txBody>
+      </p:sp>
+      <p:sp>
+        <p:nvSpPr>
+          <p:cNvPr id="20" name="文本框 19">
+            <a:extLst>
+              <a:ext uri="{FF2B5EF4-FFF2-40B4-BE49-F238E27FC236}">
+                <a16:creationId xmlns:a16="http://schemas.microsoft.com/office/drawing/2014/main" id="{388DFEBD-FC4F-6E4F-BB49-18C5721D75CA}"/>
+              </a:ext>
+            </a:extLst>
+          </p:cNvPr>
+          <p:cNvSpPr txBox="1"/>
+          <p:nvPr/>
+        </p:nvSpPr>
+        <p:spPr>
+          <a:xfrm>
+            <a:off x="4799295" y="1795044"/>
+            <a:ext cx="1186543" cy="369332"/>
+          </a:xfrm>
+          <a:prstGeom prst="rect">
+            <a:avLst/>
+          </a:prstGeom>
+          <a:noFill/>
+        </p:spPr>
+        <p:txBody>
+          <a:bodyPr wrap="none" rtlCol="0">
+            <a:spAutoFit/>
+          </a:bodyPr>
+          <a:lstStyle/>
+          <a:p>
+            <a:r>
+              <a:rPr kumimoji="1" lang="en-US" altLang="zh-CN" dirty="0"/>
+              <a:t>r</a:t>
+            </a:r>
+            <a:r>
+              <a:rPr kumimoji="1" lang="zh-CN" altLang="en-US" dirty="0"/>
+              <a:t>投影长度</a:t>
+            </a:r>
+          </a:p>
+        </p:txBody>
+      </p:sp>
+      <p:sp>
+        <p:nvSpPr>
+          <p:cNvPr id="21" name="右大括号 20">
+            <a:extLst>
+              <a:ext uri="{FF2B5EF4-FFF2-40B4-BE49-F238E27FC236}">
+                <a16:creationId xmlns:a16="http://schemas.microsoft.com/office/drawing/2014/main" id="{68E798AF-AB4C-1B4F-9173-210BC2EA98E1}"/>
+              </a:ext>
+            </a:extLst>
+          </p:cNvPr>
+          <p:cNvSpPr/>
+          <p:nvPr/>
+        </p:nvSpPr>
+        <p:spPr>
+          <a:xfrm rot="16200000">
+            <a:off x="5812046" y="-1302236"/>
+            <a:ext cx="259484" cy="5353394"/>
+          </a:xfrm>
+          <a:prstGeom prst="rightBrace">
+            <a:avLst/>
+          </a:prstGeom>
+        </p:spPr>
+        <p:style>
+          <a:lnRef idx="1">
+            <a:schemeClr val="accent1"/>
+          </a:lnRef>
+          <a:fillRef idx="0">
+            <a:schemeClr val="accent1"/>
+          </a:fillRef>
+          <a:effectRef idx="0">
+            <a:schemeClr val="accent1"/>
+          </a:effectRef>
+          <a:fontRef idx="minor">
+            <a:schemeClr val="tx1"/>
+          </a:fontRef>
+        </p:style>
+        <p:txBody>
+          <a:bodyPr rtlCol="0" anchor="ctr"/>
+          <a:lstStyle/>
+          <a:p>
+            <a:pPr algn="ctr"/>
+            <a:endParaRPr kumimoji="1" lang="zh-CN" altLang="en-US"/>
+          </a:p>
+        </p:txBody>
+      </p:sp>
+      <p:sp>
+        <p:nvSpPr>
+          <p:cNvPr id="22" name="文本框 21">
+            <a:extLst>
+              <a:ext uri="{FF2B5EF4-FFF2-40B4-BE49-F238E27FC236}">
+                <a16:creationId xmlns:a16="http://schemas.microsoft.com/office/drawing/2014/main" id="{AD9CE3EC-8877-7043-9B85-55FE4DF21F92}"/>
+              </a:ext>
+            </a:extLst>
+          </p:cNvPr>
+          <p:cNvSpPr txBox="1"/>
+          <p:nvPr/>
+        </p:nvSpPr>
+        <p:spPr>
+          <a:xfrm>
+            <a:off x="5203944" y="763094"/>
+            <a:ext cx="1569660" cy="369332"/>
+          </a:xfrm>
+          <a:prstGeom prst="rect">
+            <a:avLst/>
+          </a:prstGeom>
+          <a:noFill/>
+        </p:spPr>
+        <p:txBody>
+          <a:bodyPr wrap="none" rtlCol="0">
+            <a:spAutoFit/>
+          </a:bodyPr>
+          <a:lstStyle/>
+          <a:p>
+            <a:r>
+              <a:rPr kumimoji="1" lang="zh-CN" altLang="en-US" dirty="0"/>
+              <a:t>终点投影长度</a:t>
+            </a:r>
+          </a:p>
+        </p:txBody>
+      </p:sp>
     </p:spTree>
     <p:extLst>
       <p:ext uri="{BB962C8B-B14F-4D97-AF65-F5344CB8AC3E}">
         <p14:creationId xmlns:p14="http://schemas.microsoft.com/office/powerpoint/2010/main" val="3085400265"/>
+      </p:ext>
+    </p:extLst>
+  </p:cSld>
+  <p:clrMapOvr>
+    <a:masterClrMapping/>
+  </p:clrMapOvr>
+</p:sld>
+</file>
+
+<file path=ppt/slides/slide2.xml><?xml version="1.0" encoding="utf-8"?>
+<p:sld xmlns:a="http://schemas.openxmlformats.org/drawingml/2006/main" xmlns:r="http://schemas.openxmlformats.org/officeDocument/2006/relationships" xmlns:p="http://schemas.openxmlformats.org/presentationml/2006/main">
+  <p:cSld>
+    <p:spTree>
+      <p:nvGrpSpPr>
+        <p:cNvPr id="1" name=""/>
+        <p:cNvGrpSpPr/>
+        <p:nvPr/>
+      </p:nvGrpSpPr>
+      <p:grpSpPr>
+        <a:xfrm>
+          <a:off x="0" y="0"/>
+          <a:ext cx="0" cy="0"/>
+          <a:chOff x="0" y="0"/>
+          <a:chExt cx="0" cy="0"/>
+        </a:xfrm>
+      </p:grpSpPr>
+      <p:cxnSp>
+        <p:nvCxnSpPr>
+          <p:cNvPr id="4" name="直线箭头连接符 3">
+            <a:extLst>
+              <a:ext uri="{FF2B5EF4-FFF2-40B4-BE49-F238E27FC236}">
+                <a16:creationId xmlns:a16="http://schemas.microsoft.com/office/drawing/2014/main" id="{B6C590FC-8A4C-0E46-A0C7-87990AC5B0A5}"/>
+              </a:ext>
+            </a:extLst>
+          </p:cNvPr>
+          <p:cNvCxnSpPr>
+            <a:cxnSpLocks/>
+          </p:cNvCxnSpPr>
+          <p:nvPr/>
+        </p:nvCxnSpPr>
+        <p:spPr>
+          <a:xfrm flipV="1">
+            <a:off x="1056068" y="1468191"/>
+            <a:ext cx="1970468" cy="1133341"/>
+          </a:xfrm>
+          <a:prstGeom prst="straightConnector1">
+            <a:avLst/>
+          </a:prstGeom>
+          <a:ln w="41275">
+            <a:solidFill>
+              <a:schemeClr val="accent4"/>
+            </a:solidFill>
+            <a:tailEnd type="triangle"/>
+          </a:ln>
+        </p:spPr>
+        <p:style>
+          <a:lnRef idx="1">
+            <a:schemeClr val="accent1"/>
+          </a:lnRef>
+          <a:fillRef idx="0">
+            <a:schemeClr val="accent1"/>
+          </a:fillRef>
+          <a:effectRef idx="0">
+            <a:schemeClr val="accent1"/>
+          </a:effectRef>
+          <a:fontRef idx="minor">
+            <a:schemeClr val="tx1"/>
+          </a:fontRef>
+        </p:style>
+      </p:cxnSp>
+      <p:cxnSp>
+        <p:nvCxnSpPr>
+          <p:cNvPr id="15" name="直线箭头连接符 14">
+            <a:extLst>
+              <a:ext uri="{FF2B5EF4-FFF2-40B4-BE49-F238E27FC236}">
+                <a16:creationId xmlns:a16="http://schemas.microsoft.com/office/drawing/2014/main" id="{C8C71F61-7EAE-EB45-BBA1-94D5E6BB6DB8}"/>
+              </a:ext>
+            </a:extLst>
+          </p:cNvPr>
+          <p:cNvCxnSpPr>
+            <a:cxnSpLocks/>
+          </p:cNvCxnSpPr>
+          <p:nvPr/>
+        </p:nvCxnSpPr>
+        <p:spPr>
+          <a:xfrm flipV="1">
+            <a:off x="2175124" y="759853"/>
+            <a:ext cx="2100663" cy="1214383"/>
+          </a:xfrm>
+          <a:prstGeom prst="straightConnector1">
+            <a:avLst/>
+          </a:prstGeom>
+          <a:ln w="41275">
+            <a:solidFill>
+              <a:srgbClr val="92D050"/>
+            </a:solidFill>
+            <a:tailEnd type="triangle"/>
+          </a:ln>
+        </p:spPr>
+        <p:style>
+          <a:lnRef idx="1">
+            <a:schemeClr val="accent1"/>
+          </a:lnRef>
+          <a:fillRef idx="0">
+            <a:schemeClr val="accent1"/>
+          </a:fillRef>
+          <a:effectRef idx="0">
+            <a:schemeClr val="accent1"/>
+          </a:effectRef>
+          <a:fontRef idx="minor">
+            <a:schemeClr val="tx1"/>
+          </a:fontRef>
+        </p:style>
+      </p:cxnSp>
+      <p:cxnSp>
+        <p:nvCxnSpPr>
+          <p:cNvPr id="13" name="直线箭头连接符 12">
+            <a:extLst>
+              <a:ext uri="{FF2B5EF4-FFF2-40B4-BE49-F238E27FC236}">
+                <a16:creationId xmlns:a16="http://schemas.microsoft.com/office/drawing/2014/main" id="{07560E83-23C1-BF4E-9E4F-F5C94143F99F}"/>
+              </a:ext>
+            </a:extLst>
+          </p:cNvPr>
+          <p:cNvCxnSpPr>
+            <a:cxnSpLocks/>
+          </p:cNvCxnSpPr>
+          <p:nvPr/>
+        </p:nvCxnSpPr>
+        <p:spPr>
+          <a:xfrm flipV="1">
+            <a:off x="5021353" y="1711004"/>
+            <a:ext cx="1970468" cy="1133341"/>
+          </a:xfrm>
+          <a:prstGeom prst="straightConnector1">
+            <a:avLst/>
+          </a:prstGeom>
+          <a:ln w="41275">
+            <a:solidFill>
+              <a:schemeClr val="accent4"/>
+            </a:solidFill>
+            <a:tailEnd type="triangle"/>
+          </a:ln>
+        </p:spPr>
+        <p:style>
+          <a:lnRef idx="1">
+            <a:schemeClr val="accent1"/>
+          </a:lnRef>
+          <a:fillRef idx="0">
+            <a:schemeClr val="accent1"/>
+          </a:fillRef>
+          <a:effectRef idx="0">
+            <a:schemeClr val="accent1"/>
+          </a:effectRef>
+          <a:fontRef idx="minor">
+            <a:schemeClr val="tx1"/>
+          </a:fontRef>
+        </p:style>
+      </p:cxnSp>
+      <p:cxnSp>
+        <p:nvCxnSpPr>
+          <p:cNvPr id="14" name="直线箭头连接符 13">
+            <a:extLst>
+              <a:ext uri="{FF2B5EF4-FFF2-40B4-BE49-F238E27FC236}">
+                <a16:creationId xmlns:a16="http://schemas.microsoft.com/office/drawing/2014/main" id="{13A4AED7-5FCC-6141-8FD2-55F225ABE581}"/>
+              </a:ext>
+            </a:extLst>
+          </p:cNvPr>
+          <p:cNvCxnSpPr>
+            <a:cxnSpLocks/>
+          </p:cNvCxnSpPr>
+          <p:nvPr/>
+        </p:nvCxnSpPr>
+        <p:spPr>
+          <a:xfrm flipV="1">
+            <a:off x="7157841" y="393591"/>
+            <a:ext cx="2100663" cy="1214383"/>
+          </a:xfrm>
+          <a:prstGeom prst="straightConnector1">
+            <a:avLst/>
+          </a:prstGeom>
+          <a:ln w="41275">
+            <a:solidFill>
+              <a:srgbClr val="92D050"/>
+            </a:solidFill>
+            <a:tailEnd type="triangle"/>
+          </a:ln>
+        </p:spPr>
+        <p:style>
+          <a:lnRef idx="1">
+            <a:schemeClr val="accent1"/>
+          </a:lnRef>
+          <a:fillRef idx="0">
+            <a:schemeClr val="accent1"/>
+          </a:fillRef>
+          <a:effectRef idx="0">
+            <a:schemeClr val="accent1"/>
+          </a:effectRef>
+          <a:fontRef idx="minor">
+            <a:schemeClr val="tx1"/>
+          </a:fontRef>
+        </p:style>
+      </p:cxnSp>
+      <p:sp>
+        <p:nvSpPr>
+          <p:cNvPr id="8" name="文本框 7">
+            <a:extLst>
+              <a:ext uri="{FF2B5EF4-FFF2-40B4-BE49-F238E27FC236}">
+                <a16:creationId xmlns:a16="http://schemas.microsoft.com/office/drawing/2014/main" id="{F07DEA01-0F8C-7841-ADD7-891D4E8501A8}"/>
+              </a:ext>
+            </a:extLst>
+          </p:cNvPr>
+          <p:cNvSpPr txBox="1"/>
+          <p:nvPr/>
+        </p:nvSpPr>
+        <p:spPr>
+          <a:xfrm>
+            <a:off x="1371888" y="3580327"/>
+            <a:ext cx="1338828" cy="369332"/>
+          </a:xfrm>
+          <a:prstGeom prst="rect">
+            <a:avLst/>
+          </a:prstGeom>
+          <a:noFill/>
+        </p:spPr>
+        <p:txBody>
+          <a:bodyPr wrap="none" rtlCol="0">
+            <a:spAutoFit/>
+          </a:bodyPr>
+          <a:lstStyle/>
+          <a:p>
+            <a:r>
+              <a:rPr kumimoji="1" lang="zh-CN" altLang="en-US" dirty="0"/>
+              <a:t>共线有交集</a:t>
+            </a:r>
+          </a:p>
+        </p:txBody>
+      </p:sp>
+      <p:sp>
+        <p:nvSpPr>
+          <p:cNvPr id="20" name="文本框 19">
+            <a:extLst>
+              <a:ext uri="{FF2B5EF4-FFF2-40B4-BE49-F238E27FC236}">
+                <a16:creationId xmlns:a16="http://schemas.microsoft.com/office/drawing/2014/main" id="{05A68F34-31C3-7D42-98E2-AD1B832C70BE}"/>
+              </a:ext>
+            </a:extLst>
+          </p:cNvPr>
+          <p:cNvSpPr txBox="1"/>
+          <p:nvPr/>
+        </p:nvSpPr>
+        <p:spPr>
+          <a:xfrm>
+            <a:off x="6488427" y="3580327"/>
+            <a:ext cx="1569660" cy="369332"/>
+          </a:xfrm>
+          <a:prstGeom prst="rect">
+            <a:avLst/>
+          </a:prstGeom>
+          <a:noFill/>
+        </p:spPr>
+        <p:txBody>
+          <a:bodyPr wrap="none" rtlCol="0">
+            <a:spAutoFit/>
+          </a:bodyPr>
+          <a:lstStyle/>
+          <a:p>
+            <a:r>
+              <a:rPr kumimoji="1" lang="zh-CN" altLang="en-US" dirty="0"/>
+              <a:t>共线没有交集</a:t>
+            </a:r>
+          </a:p>
+        </p:txBody>
+      </p:sp>
+    </p:spTree>
+    <p:extLst>
+      <p:ext uri="{BB962C8B-B14F-4D97-AF65-F5344CB8AC3E}">
+        <p14:creationId xmlns:p14="http://schemas.microsoft.com/office/powerpoint/2010/main" val="800838745"/>
+      </p:ext>
+    </p:extLst>
+  </p:cSld>
+  <p:clrMapOvr>
+    <a:masterClrMapping/>
+  </p:clrMapOvr>
+</p:sld>
+</file>
+
+<file path=ppt/slides/slide3.xml><?xml version="1.0" encoding="utf-8"?>
+<p:sld xmlns:a="http://schemas.openxmlformats.org/drawingml/2006/main" xmlns:r="http://schemas.openxmlformats.org/officeDocument/2006/relationships" xmlns:p="http://schemas.openxmlformats.org/presentationml/2006/main">
+  <p:cSld>
+    <p:spTree>
+      <p:nvGrpSpPr>
+        <p:cNvPr id="1" name=""/>
+        <p:cNvGrpSpPr/>
+        <p:nvPr/>
+      </p:nvGrpSpPr>
+      <p:grpSpPr>
+        <a:xfrm>
+          <a:off x="0" y="0"/>
+          <a:ext cx="0" cy="0"/>
+          <a:chOff x="0" y="0"/>
+          <a:chExt cx="0" cy="0"/>
+        </a:xfrm>
+      </p:grpSpPr>
+      <p:sp>
+        <p:nvSpPr>
+          <p:cNvPr id="2" name="矩形 1">
+            <a:extLst>
+              <a:ext uri="{FF2B5EF4-FFF2-40B4-BE49-F238E27FC236}">
+                <a16:creationId xmlns:a16="http://schemas.microsoft.com/office/drawing/2014/main" id="{7167AEA8-44DD-C447-9577-2C1110F3A059}"/>
+              </a:ext>
+            </a:extLst>
+          </p:cNvPr>
+          <p:cNvSpPr/>
+          <p:nvPr/>
+        </p:nvSpPr>
+        <p:spPr>
+          <a:xfrm>
+            <a:off x="1169992" y="825062"/>
+            <a:ext cx="1734207" cy="1723697"/>
+          </a:xfrm>
+          <a:prstGeom prst="rect">
+            <a:avLst/>
+          </a:prstGeom>
+          <a:noFill/>
+          <a:ln w="25400">
+            <a:solidFill>
+              <a:schemeClr val="accent2">
+                <a:lumMod val="60000"/>
+                <a:lumOff val="40000"/>
+              </a:schemeClr>
+            </a:solidFill>
+          </a:ln>
+        </p:spPr>
+        <p:style>
+          <a:lnRef idx="2">
+            <a:schemeClr val="accent1">
+              <a:shade val="50000"/>
+            </a:schemeClr>
+          </a:lnRef>
+          <a:fillRef idx="1">
+            <a:schemeClr val="accent1"/>
+          </a:fillRef>
+          <a:effectRef idx="0">
+            <a:schemeClr val="accent1"/>
+          </a:effectRef>
+          <a:fontRef idx="minor">
+            <a:schemeClr val="lt1"/>
+          </a:fontRef>
+        </p:style>
+        <p:txBody>
+          <a:bodyPr rtlCol="0" anchor="ctr"/>
+          <a:lstStyle/>
+          <a:p>
+            <a:pPr algn="ctr"/>
+            <a:endParaRPr kumimoji="1" lang="zh-CN" altLang="en-US"/>
+          </a:p>
+        </p:txBody>
+      </p:sp>
+      <p:sp>
+        <p:nvSpPr>
+          <p:cNvPr id="9" name="矩形 8">
+            <a:extLst>
+              <a:ext uri="{FF2B5EF4-FFF2-40B4-BE49-F238E27FC236}">
+                <a16:creationId xmlns:a16="http://schemas.microsoft.com/office/drawing/2014/main" id="{BB7EE395-C335-FD40-BA7B-ECB03D99A5C6}"/>
+              </a:ext>
+            </a:extLst>
+          </p:cNvPr>
+          <p:cNvSpPr/>
+          <p:nvPr/>
+        </p:nvSpPr>
+        <p:spPr>
+          <a:xfrm>
+            <a:off x="3317924" y="1915749"/>
+            <a:ext cx="2431712" cy="2393015"/>
+          </a:xfrm>
+          <a:prstGeom prst="rect">
+            <a:avLst/>
+          </a:prstGeom>
+          <a:noFill/>
+          <a:ln w="25400">
+            <a:solidFill>
+              <a:schemeClr val="accent6">
+                <a:lumMod val="60000"/>
+                <a:lumOff val="40000"/>
+              </a:schemeClr>
+            </a:solidFill>
+          </a:ln>
+        </p:spPr>
+        <p:style>
+          <a:lnRef idx="2">
+            <a:schemeClr val="accent1">
+              <a:shade val="50000"/>
+            </a:schemeClr>
+          </a:lnRef>
+          <a:fillRef idx="1">
+            <a:schemeClr val="accent1"/>
+          </a:fillRef>
+          <a:effectRef idx="0">
+            <a:schemeClr val="accent1"/>
+          </a:effectRef>
+          <a:fontRef idx="minor">
+            <a:schemeClr val="lt1"/>
+          </a:fontRef>
+        </p:style>
+        <p:txBody>
+          <a:bodyPr rtlCol="0" anchor="ctr"/>
+          <a:lstStyle/>
+          <a:p>
+            <a:pPr algn="ctr"/>
+            <a:endParaRPr kumimoji="1" lang="zh-CN" altLang="en-US" dirty="0"/>
+          </a:p>
+        </p:txBody>
+      </p:sp>
+      <p:cxnSp>
+        <p:nvCxnSpPr>
+          <p:cNvPr id="5" name="直线连接符 4">
+            <a:extLst>
+              <a:ext uri="{FF2B5EF4-FFF2-40B4-BE49-F238E27FC236}">
+                <a16:creationId xmlns:a16="http://schemas.microsoft.com/office/drawing/2014/main" id="{BCED00EC-859B-7949-8D70-5E0AC27CCFEE}"/>
+              </a:ext>
+            </a:extLst>
+          </p:cNvPr>
+          <p:cNvCxnSpPr/>
+          <p:nvPr/>
+        </p:nvCxnSpPr>
+        <p:spPr>
+          <a:xfrm>
+            <a:off x="1177636" y="817418"/>
+            <a:ext cx="1717964" cy="1731818"/>
+          </a:xfrm>
+          <a:prstGeom prst="line">
+            <a:avLst/>
+          </a:prstGeom>
+        </p:spPr>
+        <p:style>
+          <a:lnRef idx="1">
+            <a:schemeClr val="accent1"/>
+          </a:lnRef>
+          <a:fillRef idx="0">
+            <a:schemeClr val="accent1"/>
+          </a:fillRef>
+          <a:effectRef idx="0">
+            <a:schemeClr val="accent1"/>
+          </a:effectRef>
+          <a:fontRef idx="minor">
+            <a:schemeClr val="tx1"/>
+          </a:fontRef>
+        </p:style>
+      </p:cxnSp>
+      <p:cxnSp>
+        <p:nvCxnSpPr>
+          <p:cNvPr id="12" name="直线连接符 11">
+            <a:extLst>
+              <a:ext uri="{FF2B5EF4-FFF2-40B4-BE49-F238E27FC236}">
+                <a16:creationId xmlns:a16="http://schemas.microsoft.com/office/drawing/2014/main" id="{AB760371-B078-8F44-AE09-E5314335B21A}"/>
+              </a:ext>
+            </a:extLst>
+          </p:cNvPr>
+          <p:cNvCxnSpPr>
+            <a:cxnSpLocks/>
+          </p:cNvCxnSpPr>
+          <p:nvPr/>
+        </p:nvCxnSpPr>
+        <p:spPr>
+          <a:xfrm flipH="1">
+            <a:off x="1161393" y="824585"/>
+            <a:ext cx="1734207" cy="1724174"/>
+          </a:xfrm>
+          <a:prstGeom prst="line">
+            <a:avLst/>
+          </a:prstGeom>
+        </p:spPr>
+        <p:style>
+          <a:lnRef idx="1">
+            <a:schemeClr val="accent1"/>
+          </a:lnRef>
+          <a:fillRef idx="0">
+            <a:schemeClr val="accent1"/>
+          </a:fillRef>
+          <a:effectRef idx="0">
+            <a:schemeClr val="accent1"/>
+          </a:effectRef>
+          <a:fontRef idx="minor">
+            <a:schemeClr val="tx1"/>
+          </a:fontRef>
+        </p:style>
+      </p:cxnSp>
+      <p:cxnSp>
+        <p:nvCxnSpPr>
+          <p:cNvPr id="16" name="直线连接符 15">
+            <a:extLst>
+              <a:ext uri="{FF2B5EF4-FFF2-40B4-BE49-F238E27FC236}">
+                <a16:creationId xmlns:a16="http://schemas.microsoft.com/office/drawing/2014/main" id="{E29298E7-8550-4E4F-AF5B-115F2A7F8A1C}"/>
+              </a:ext>
+            </a:extLst>
+          </p:cNvPr>
+          <p:cNvCxnSpPr>
+            <a:cxnSpLocks/>
+          </p:cNvCxnSpPr>
+          <p:nvPr/>
+        </p:nvCxnSpPr>
+        <p:spPr>
+          <a:xfrm flipH="1">
+            <a:off x="3317924" y="1915749"/>
+            <a:ext cx="2431713" cy="2393015"/>
+          </a:xfrm>
+          <a:prstGeom prst="line">
+            <a:avLst/>
+          </a:prstGeom>
+        </p:spPr>
+        <p:style>
+          <a:lnRef idx="1">
+            <a:schemeClr val="accent1"/>
+          </a:lnRef>
+          <a:fillRef idx="0">
+            <a:schemeClr val="accent1"/>
+          </a:fillRef>
+          <a:effectRef idx="0">
+            <a:schemeClr val="accent1"/>
+          </a:effectRef>
+          <a:fontRef idx="minor">
+            <a:schemeClr val="tx1"/>
+          </a:fontRef>
+        </p:style>
+      </p:cxnSp>
+      <p:cxnSp>
+        <p:nvCxnSpPr>
+          <p:cNvPr id="18" name="直线连接符 17">
+            <a:extLst>
+              <a:ext uri="{FF2B5EF4-FFF2-40B4-BE49-F238E27FC236}">
+                <a16:creationId xmlns:a16="http://schemas.microsoft.com/office/drawing/2014/main" id="{344A8FB0-B54E-0240-A8B9-7E513EB1D89B}"/>
+              </a:ext>
+            </a:extLst>
+          </p:cNvPr>
+          <p:cNvCxnSpPr>
+            <a:cxnSpLocks/>
+          </p:cNvCxnSpPr>
+          <p:nvPr/>
+        </p:nvCxnSpPr>
+        <p:spPr>
+          <a:xfrm>
+            <a:off x="3309325" y="1915749"/>
+            <a:ext cx="2440311" cy="2393015"/>
+          </a:xfrm>
+          <a:prstGeom prst="line">
+            <a:avLst/>
+          </a:prstGeom>
+        </p:spPr>
+        <p:style>
+          <a:lnRef idx="1">
+            <a:schemeClr val="accent1"/>
+          </a:lnRef>
+          <a:fillRef idx="0">
+            <a:schemeClr val="accent1"/>
+          </a:fillRef>
+          <a:effectRef idx="0">
+            <a:schemeClr val="accent1"/>
+          </a:effectRef>
+          <a:fontRef idx="minor">
+            <a:schemeClr val="tx1"/>
+          </a:fontRef>
+        </p:style>
+      </p:cxnSp>
+      <p:sp>
+        <p:nvSpPr>
+          <p:cNvPr id="21" name="椭圆 20">
+            <a:extLst>
+              <a:ext uri="{FF2B5EF4-FFF2-40B4-BE49-F238E27FC236}">
+                <a16:creationId xmlns:a16="http://schemas.microsoft.com/office/drawing/2014/main" id="{0B3D394D-2791-6742-A870-2783B46AE737}"/>
+              </a:ext>
+            </a:extLst>
+          </p:cNvPr>
+          <p:cNvSpPr/>
+          <p:nvPr/>
+        </p:nvSpPr>
+        <p:spPr>
+          <a:xfrm>
+            <a:off x="4453280" y="3029128"/>
+            <a:ext cx="152400" cy="166255"/>
+          </a:xfrm>
+          <a:prstGeom prst="ellipse">
+            <a:avLst/>
+          </a:prstGeom>
+        </p:spPr>
+        <p:style>
+          <a:lnRef idx="2">
+            <a:schemeClr val="accent1">
+              <a:shade val="50000"/>
+            </a:schemeClr>
+          </a:lnRef>
+          <a:fillRef idx="1">
+            <a:schemeClr val="accent1"/>
+          </a:fillRef>
+          <a:effectRef idx="0">
+            <a:schemeClr val="accent1"/>
+          </a:effectRef>
+          <a:fontRef idx="minor">
+            <a:schemeClr val="lt1"/>
+          </a:fontRef>
+        </p:style>
+        <p:txBody>
+          <a:bodyPr rtlCol="0" anchor="ctr"/>
+          <a:lstStyle/>
+          <a:p>
+            <a:pPr algn="ctr"/>
+            <a:endParaRPr kumimoji="1" lang="zh-CN" altLang="en-US"/>
+          </a:p>
+        </p:txBody>
+      </p:sp>
+      <p:sp>
+        <p:nvSpPr>
+          <p:cNvPr id="22" name="椭圆 21">
+            <a:extLst>
+              <a:ext uri="{FF2B5EF4-FFF2-40B4-BE49-F238E27FC236}">
+                <a16:creationId xmlns:a16="http://schemas.microsoft.com/office/drawing/2014/main" id="{9ECBA698-7FBE-BC42-9047-72B49A8A636D}"/>
+              </a:ext>
+            </a:extLst>
+          </p:cNvPr>
+          <p:cNvSpPr/>
+          <p:nvPr/>
+        </p:nvSpPr>
+        <p:spPr>
+          <a:xfrm>
+            <a:off x="1953484" y="1607135"/>
+            <a:ext cx="152400" cy="166255"/>
+          </a:xfrm>
+          <a:prstGeom prst="ellipse">
+            <a:avLst/>
+          </a:prstGeom>
+        </p:spPr>
+        <p:style>
+          <a:lnRef idx="2">
+            <a:schemeClr val="accent1">
+              <a:shade val="50000"/>
+            </a:schemeClr>
+          </a:lnRef>
+          <a:fillRef idx="1">
+            <a:schemeClr val="accent1"/>
+          </a:fillRef>
+          <a:effectRef idx="0">
+            <a:schemeClr val="accent1"/>
+          </a:effectRef>
+          <a:fontRef idx="minor">
+            <a:schemeClr val="lt1"/>
+          </a:fontRef>
+        </p:style>
+        <p:txBody>
+          <a:bodyPr rtlCol="0" anchor="ctr"/>
+          <a:lstStyle/>
+          <a:p>
+            <a:pPr algn="ctr"/>
+            <a:endParaRPr kumimoji="1" lang="zh-CN" altLang="en-US"/>
+          </a:p>
+        </p:txBody>
+      </p:sp>
+      <p:cxnSp>
+        <p:nvCxnSpPr>
+          <p:cNvPr id="24" name="直线连接符 23">
+            <a:extLst>
+              <a:ext uri="{FF2B5EF4-FFF2-40B4-BE49-F238E27FC236}">
+                <a16:creationId xmlns:a16="http://schemas.microsoft.com/office/drawing/2014/main" id="{9B998A6B-452D-D642-9F78-624B0113F449}"/>
+              </a:ext>
+            </a:extLst>
+          </p:cNvPr>
+          <p:cNvCxnSpPr>
+            <a:cxnSpLocks/>
+          </p:cNvCxnSpPr>
+          <p:nvPr/>
+        </p:nvCxnSpPr>
+        <p:spPr>
+          <a:xfrm>
+            <a:off x="346364" y="706582"/>
+            <a:ext cx="6567054" cy="3782291"/>
+          </a:xfrm>
+          <a:prstGeom prst="line">
+            <a:avLst/>
+          </a:prstGeom>
+          <a:ln w="25400">
+            <a:solidFill>
+              <a:schemeClr val="accent2">
+                <a:lumMod val="75000"/>
+              </a:schemeClr>
+            </a:solidFill>
+          </a:ln>
+        </p:spPr>
+        <p:style>
+          <a:lnRef idx="1">
+            <a:schemeClr val="accent1"/>
+          </a:lnRef>
+          <a:fillRef idx="0">
+            <a:schemeClr val="accent1"/>
+          </a:fillRef>
+          <a:effectRef idx="0">
+            <a:schemeClr val="accent1"/>
+          </a:effectRef>
+          <a:fontRef idx="minor">
+            <a:schemeClr val="tx1"/>
+          </a:fontRef>
+        </p:style>
+      </p:cxnSp>
+      <p:sp>
+        <p:nvSpPr>
+          <p:cNvPr id="27" name="文本框 26">
+            <a:extLst>
+              <a:ext uri="{FF2B5EF4-FFF2-40B4-BE49-F238E27FC236}">
+                <a16:creationId xmlns:a16="http://schemas.microsoft.com/office/drawing/2014/main" id="{9394CA36-032F-5549-9A1C-A593E84155C8}"/>
+              </a:ext>
+            </a:extLst>
+          </p:cNvPr>
+          <p:cNvSpPr txBox="1"/>
+          <p:nvPr/>
+        </p:nvSpPr>
+        <p:spPr>
+          <a:xfrm>
+            <a:off x="3020291" y="4890655"/>
+            <a:ext cx="1107996" cy="369332"/>
+          </a:xfrm>
+          <a:prstGeom prst="rect">
+            <a:avLst/>
+          </a:prstGeom>
+          <a:noFill/>
+        </p:spPr>
+        <p:txBody>
+          <a:bodyPr wrap="none" rtlCol="0">
+            <a:spAutoFit/>
+          </a:bodyPr>
+          <a:lstStyle/>
+          <a:p>
+            <a:r>
+              <a:rPr kumimoji="1" lang="zh-CN" altLang="en-US" dirty="0"/>
+              <a:t>普通情况</a:t>
+            </a:r>
+          </a:p>
+        </p:txBody>
+      </p:sp>
+      <p:grpSp>
+        <p:nvGrpSpPr>
+          <p:cNvPr id="38" name="组合 37">
+            <a:extLst>
+              <a:ext uri="{FF2B5EF4-FFF2-40B4-BE49-F238E27FC236}">
+                <a16:creationId xmlns:a16="http://schemas.microsoft.com/office/drawing/2014/main" id="{E8499349-BFD2-544F-8680-BACCAE2B30EB}"/>
+              </a:ext>
+            </a:extLst>
+          </p:cNvPr>
+          <p:cNvGrpSpPr/>
+          <p:nvPr/>
+        </p:nvGrpSpPr>
+        <p:grpSpPr>
+          <a:xfrm>
+            <a:off x="7500814" y="1204152"/>
+            <a:ext cx="2440312" cy="2393015"/>
+            <a:chOff x="9058961" y="1639081"/>
+            <a:chExt cx="2440312" cy="2393015"/>
+          </a:xfrm>
+        </p:grpSpPr>
+        <p:sp>
+          <p:nvSpPr>
+            <p:cNvPr id="29" name="矩形 28">
+              <a:extLst>
+                <a:ext uri="{FF2B5EF4-FFF2-40B4-BE49-F238E27FC236}">
+                  <a16:creationId xmlns:a16="http://schemas.microsoft.com/office/drawing/2014/main" id="{60B08830-E1A7-904C-8B5E-5FB80A948546}"/>
+                </a:ext>
+              </a:extLst>
+            </p:cNvPr>
+            <p:cNvSpPr/>
+            <p:nvPr/>
+          </p:nvSpPr>
+          <p:spPr>
+            <a:xfrm>
+              <a:off x="9067560" y="1639081"/>
+              <a:ext cx="2431712" cy="2393015"/>
+            </a:xfrm>
+            <a:prstGeom prst="rect">
+              <a:avLst/>
+            </a:prstGeom>
+            <a:noFill/>
+            <a:ln w="25400">
+              <a:solidFill>
+                <a:schemeClr val="accent6">
+                  <a:lumMod val="60000"/>
+                  <a:lumOff val="40000"/>
+                </a:schemeClr>
+              </a:solidFill>
+            </a:ln>
+          </p:spPr>
+          <p:style>
+            <a:lnRef idx="2">
+              <a:schemeClr val="accent1">
+                <a:shade val="50000"/>
+              </a:schemeClr>
+            </a:lnRef>
+            <a:fillRef idx="1">
+              <a:schemeClr val="accent1"/>
+            </a:fillRef>
+            <a:effectRef idx="0">
+              <a:schemeClr val="accent1"/>
+            </a:effectRef>
+            <a:fontRef idx="minor">
+              <a:schemeClr val="lt1"/>
+            </a:fontRef>
+          </p:style>
+          <p:txBody>
+            <a:bodyPr rtlCol="0" anchor="ctr"/>
+            <a:lstStyle/>
+            <a:p>
+              <a:pPr algn="ctr"/>
+              <a:endParaRPr kumimoji="1" lang="zh-CN" altLang="en-US" dirty="0"/>
+            </a:p>
+          </p:txBody>
+        </p:sp>
+        <p:cxnSp>
+          <p:nvCxnSpPr>
+            <p:cNvPr id="32" name="直线连接符 31">
+              <a:extLst>
+                <a:ext uri="{FF2B5EF4-FFF2-40B4-BE49-F238E27FC236}">
+                  <a16:creationId xmlns:a16="http://schemas.microsoft.com/office/drawing/2014/main" id="{99BD0AB2-9CCC-CB40-BA3B-A4D4C77CC398}"/>
+                </a:ext>
+              </a:extLst>
+            </p:cNvPr>
+            <p:cNvCxnSpPr>
+              <a:cxnSpLocks/>
+            </p:cNvCxnSpPr>
+            <p:nvPr/>
+          </p:nvCxnSpPr>
+          <p:spPr>
+            <a:xfrm flipH="1">
+              <a:off x="9067560" y="1639081"/>
+              <a:ext cx="2431713" cy="2393015"/>
+            </a:xfrm>
+            <a:prstGeom prst="line">
+              <a:avLst/>
+            </a:prstGeom>
+          </p:spPr>
+          <p:style>
+            <a:lnRef idx="1">
+              <a:schemeClr val="accent1"/>
+            </a:lnRef>
+            <a:fillRef idx="0">
+              <a:schemeClr val="accent1"/>
+            </a:fillRef>
+            <a:effectRef idx="0">
+              <a:schemeClr val="accent1"/>
+            </a:effectRef>
+            <a:fontRef idx="minor">
+              <a:schemeClr val="tx1"/>
+            </a:fontRef>
+          </p:style>
+        </p:cxnSp>
+        <p:cxnSp>
+          <p:nvCxnSpPr>
+            <p:cNvPr id="33" name="直线连接符 32">
+              <a:extLst>
+                <a:ext uri="{FF2B5EF4-FFF2-40B4-BE49-F238E27FC236}">
+                  <a16:creationId xmlns:a16="http://schemas.microsoft.com/office/drawing/2014/main" id="{088CDA30-7D01-A24D-BA74-67E337470CD2}"/>
+                </a:ext>
+              </a:extLst>
+            </p:cNvPr>
+            <p:cNvCxnSpPr>
+              <a:cxnSpLocks/>
+            </p:cNvCxnSpPr>
+            <p:nvPr/>
+          </p:nvCxnSpPr>
+          <p:spPr>
+            <a:xfrm>
+              <a:off x="9058961" y="1639081"/>
+              <a:ext cx="2440311" cy="2393015"/>
+            </a:xfrm>
+            <a:prstGeom prst="line">
+              <a:avLst/>
+            </a:prstGeom>
+          </p:spPr>
+          <p:style>
+            <a:lnRef idx="1">
+              <a:schemeClr val="accent1"/>
+            </a:lnRef>
+            <a:fillRef idx="0">
+              <a:schemeClr val="accent1"/>
+            </a:fillRef>
+            <a:effectRef idx="0">
+              <a:schemeClr val="accent1"/>
+            </a:effectRef>
+            <a:fontRef idx="minor">
+              <a:schemeClr val="tx1"/>
+            </a:fontRef>
+          </p:style>
+        </p:cxnSp>
+        <p:sp>
+          <p:nvSpPr>
+            <p:cNvPr id="34" name="椭圆 33">
+              <a:extLst>
+                <a:ext uri="{FF2B5EF4-FFF2-40B4-BE49-F238E27FC236}">
+                  <a16:creationId xmlns:a16="http://schemas.microsoft.com/office/drawing/2014/main" id="{6F014B1B-34F5-DB4D-9A13-D785D9326905}"/>
+                </a:ext>
+              </a:extLst>
+            </p:cNvPr>
+            <p:cNvSpPr/>
+            <p:nvPr/>
+          </p:nvSpPr>
+          <p:spPr>
+            <a:xfrm>
+              <a:off x="10202916" y="2752460"/>
+              <a:ext cx="152400" cy="166255"/>
+            </a:xfrm>
+            <a:prstGeom prst="ellipse">
+              <a:avLst/>
+            </a:prstGeom>
+          </p:spPr>
+          <p:style>
+            <a:lnRef idx="2">
+              <a:schemeClr val="accent1">
+                <a:shade val="50000"/>
+              </a:schemeClr>
+            </a:lnRef>
+            <a:fillRef idx="1">
+              <a:schemeClr val="accent1"/>
+            </a:fillRef>
+            <a:effectRef idx="0">
+              <a:schemeClr val="accent1"/>
+            </a:effectRef>
+            <a:fontRef idx="minor">
+              <a:schemeClr val="lt1"/>
+            </a:fontRef>
+          </p:style>
+          <p:txBody>
+            <a:bodyPr rtlCol="0" anchor="ctr"/>
+            <a:lstStyle/>
+            <a:p>
+              <a:pPr algn="ctr"/>
+              <a:endParaRPr kumimoji="1" lang="zh-CN" altLang="en-US"/>
+            </a:p>
+          </p:txBody>
+        </p:sp>
+      </p:grpSp>
+      <p:grpSp>
+        <p:nvGrpSpPr>
+          <p:cNvPr id="39" name="组合 38">
+            <a:extLst>
+              <a:ext uri="{FF2B5EF4-FFF2-40B4-BE49-F238E27FC236}">
+                <a16:creationId xmlns:a16="http://schemas.microsoft.com/office/drawing/2014/main" id="{0DEA5107-3DCC-4C49-9BEC-A158D9B9FB01}"/>
+              </a:ext>
+            </a:extLst>
+          </p:cNvPr>
+          <p:cNvGrpSpPr/>
+          <p:nvPr/>
+        </p:nvGrpSpPr>
+        <p:grpSpPr>
+          <a:xfrm>
+            <a:off x="7845745" y="1537077"/>
+            <a:ext cx="1742806" cy="1731818"/>
+            <a:chOff x="6911029" y="540750"/>
+            <a:chExt cx="1742806" cy="1731818"/>
+          </a:xfrm>
+        </p:grpSpPr>
+        <p:sp>
+          <p:nvSpPr>
+            <p:cNvPr id="28" name="矩形 27">
+              <a:extLst>
+                <a:ext uri="{FF2B5EF4-FFF2-40B4-BE49-F238E27FC236}">
+                  <a16:creationId xmlns:a16="http://schemas.microsoft.com/office/drawing/2014/main" id="{3A471D64-7B4F-184C-B97E-7E52B3C0ED88}"/>
+                </a:ext>
+              </a:extLst>
+            </p:cNvPr>
+            <p:cNvSpPr/>
+            <p:nvPr/>
+          </p:nvSpPr>
+          <p:spPr>
+            <a:xfrm>
+              <a:off x="6919628" y="548394"/>
+              <a:ext cx="1734207" cy="1723697"/>
+            </a:xfrm>
+            <a:prstGeom prst="rect">
+              <a:avLst/>
+            </a:prstGeom>
+            <a:noFill/>
+            <a:ln w="25400">
+              <a:solidFill>
+                <a:schemeClr val="accent2">
+                  <a:lumMod val="60000"/>
+                  <a:lumOff val="40000"/>
+                </a:schemeClr>
+              </a:solidFill>
+            </a:ln>
+          </p:spPr>
+          <p:style>
+            <a:lnRef idx="2">
+              <a:schemeClr val="accent1">
+                <a:shade val="50000"/>
+              </a:schemeClr>
+            </a:lnRef>
+            <a:fillRef idx="1">
+              <a:schemeClr val="accent1"/>
+            </a:fillRef>
+            <a:effectRef idx="0">
+              <a:schemeClr val="accent1"/>
+            </a:effectRef>
+            <a:fontRef idx="minor">
+              <a:schemeClr val="lt1"/>
+            </a:fontRef>
+          </p:style>
+          <p:txBody>
+            <a:bodyPr rtlCol="0" anchor="ctr"/>
+            <a:lstStyle/>
+            <a:p>
+              <a:pPr algn="ctr"/>
+              <a:endParaRPr kumimoji="1" lang="zh-CN" altLang="en-US"/>
+            </a:p>
+          </p:txBody>
+        </p:sp>
+        <p:cxnSp>
+          <p:nvCxnSpPr>
+            <p:cNvPr id="30" name="直线连接符 29">
+              <a:extLst>
+                <a:ext uri="{FF2B5EF4-FFF2-40B4-BE49-F238E27FC236}">
+                  <a16:creationId xmlns:a16="http://schemas.microsoft.com/office/drawing/2014/main" id="{24B0B71A-B600-B448-B08C-6DA8ACA32D61}"/>
+                </a:ext>
+              </a:extLst>
+            </p:cNvPr>
+            <p:cNvCxnSpPr/>
+            <p:nvPr/>
+          </p:nvCxnSpPr>
+          <p:spPr>
+            <a:xfrm>
+              <a:off x="6927272" y="540750"/>
+              <a:ext cx="1717964" cy="1731818"/>
+            </a:xfrm>
+            <a:prstGeom prst="line">
+              <a:avLst/>
+            </a:prstGeom>
+          </p:spPr>
+          <p:style>
+            <a:lnRef idx="1">
+              <a:schemeClr val="accent1"/>
+            </a:lnRef>
+            <a:fillRef idx="0">
+              <a:schemeClr val="accent1"/>
+            </a:fillRef>
+            <a:effectRef idx="0">
+              <a:schemeClr val="accent1"/>
+            </a:effectRef>
+            <a:fontRef idx="minor">
+              <a:schemeClr val="tx1"/>
+            </a:fontRef>
+          </p:style>
+        </p:cxnSp>
+        <p:cxnSp>
+          <p:nvCxnSpPr>
+            <p:cNvPr id="31" name="直线连接符 30">
+              <a:extLst>
+                <a:ext uri="{FF2B5EF4-FFF2-40B4-BE49-F238E27FC236}">
+                  <a16:creationId xmlns:a16="http://schemas.microsoft.com/office/drawing/2014/main" id="{2EF42D98-69FB-2347-8185-5C181136353B}"/>
+                </a:ext>
+              </a:extLst>
+            </p:cNvPr>
+            <p:cNvCxnSpPr>
+              <a:cxnSpLocks/>
+            </p:cNvCxnSpPr>
+            <p:nvPr/>
+          </p:nvCxnSpPr>
+          <p:spPr>
+            <a:xfrm flipH="1">
+              <a:off x="6911029" y="547917"/>
+              <a:ext cx="1734207" cy="1724174"/>
+            </a:xfrm>
+            <a:prstGeom prst="line">
+              <a:avLst/>
+            </a:prstGeom>
+          </p:spPr>
+          <p:style>
+            <a:lnRef idx="1">
+              <a:schemeClr val="accent1"/>
+            </a:lnRef>
+            <a:fillRef idx="0">
+              <a:schemeClr val="accent1"/>
+            </a:fillRef>
+            <a:effectRef idx="0">
+              <a:schemeClr val="accent1"/>
+            </a:effectRef>
+            <a:fontRef idx="minor">
+              <a:schemeClr val="tx1"/>
+            </a:fontRef>
+          </p:style>
+        </p:cxnSp>
+        <p:sp>
+          <p:nvSpPr>
+            <p:cNvPr id="35" name="椭圆 34">
+              <a:extLst>
+                <a:ext uri="{FF2B5EF4-FFF2-40B4-BE49-F238E27FC236}">
+                  <a16:creationId xmlns:a16="http://schemas.microsoft.com/office/drawing/2014/main" id="{8E2572EB-CD04-2E49-B1CB-A1628135BEC8}"/>
+                </a:ext>
+              </a:extLst>
+            </p:cNvPr>
+            <p:cNvSpPr/>
+            <p:nvPr/>
+          </p:nvSpPr>
+          <p:spPr>
+            <a:xfrm>
+              <a:off x="7703120" y="1330467"/>
+              <a:ext cx="152400" cy="166255"/>
+            </a:xfrm>
+            <a:prstGeom prst="ellipse">
+              <a:avLst/>
+            </a:prstGeom>
+          </p:spPr>
+          <p:style>
+            <a:lnRef idx="2">
+              <a:schemeClr val="accent1">
+                <a:shade val="50000"/>
+              </a:schemeClr>
+            </a:lnRef>
+            <a:fillRef idx="1">
+              <a:schemeClr val="accent1"/>
+            </a:fillRef>
+            <a:effectRef idx="0">
+              <a:schemeClr val="accent1"/>
+            </a:effectRef>
+            <a:fontRef idx="minor">
+              <a:schemeClr val="lt1"/>
+            </a:fontRef>
+          </p:style>
+          <p:txBody>
+            <a:bodyPr rtlCol="0" anchor="ctr"/>
+            <a:lstStyle/>
+            <a:p>
+              <a:pPr algn="ctr"/>
+              <a:endParaRPr kumimoji="1" lang="zh-CN" altLang="en-US"/>
+            </a:p>
+          </p:txBody>
+        </p:sp>
+      </p:grpSp>
+      <p:cxnSp>
+        <p:nvCxnSpPr>
+          <p:cNvPr id="36" name="直线连接符 35">
+            <a:extLst>
+              <a:ext uri="{FF2B5EF4-FFF2-40B4-BE49-F238E27FC236}">
+                <a16:creationId xmlns:a16="http://schemas.microsoft.com/office/drawing/2014/main" id="{A4329136-1A84-F64C-B8DD-E709DB53862D}"/>
+              </a:ext>
+            </a:extLst>
+          </p:cNvPr>
+          <p:cNvCxnSpPr>
+            <a:cxnSpLocks/>
+          </p:cNvCxnSpPr>
+          <p:nvPr/>
+        </p:nvCxnSpPr>
+        <p:spPr>
+          <a:xfrm flipH="1">
+            <a:off x="8710580" y="830072"/>
+            <a:ext cx="10390" cy="3278510"/>
+          </a:xfrm>
+          <a:prstGeom prst="line">
+            <a:avLst/>
+          </a:prstGeom>
+          <a:ln w="25400">
+            <a:solidFill>
+              <a:schemeClr val="accent2">
+                <a:lumMod val="75000"/>
+              </a:schemeClr>
+            </a:solidFill>
+          </a:ln>
+        </p:spPr>
+        <p:style>
+          <a:lnRef idx="1">
+            <a:schemeClr val="accent1"/>
+          </a:lnRef>
+          <a:fillRef idx="0">
+            <a:schemeClr val="accent1"/>
+          </a:fillRef>
+          <a:effectRef idx="0">
+            <a:schemeClr val="accent1"/>
+          </a:effectRef>
+          <a:fontRef idx="minor">
+            <a:schemeClr val="tx1"/>
+          </a:fontRef>
+        </p:style>
+      </p:cxnSp>
+      <p:sp>
+        <p:nvSpPr>
+          <p:cNvPr id="37" name="文本框 36">
+            <a:extLst>
+              <a:ext uri="{FF2B5EF4-FFF2-40B4-BE49-F238E27FC236}">
+                <a16:creationId xmlns:a16="http://schemas.microsoft.com/office/drawing/2014/main" id="{6159F8AB-E3AC-1D4E-BCA2-9202516F7F7C}"/>
+              </a:ext>
+            </a:extLst>
+          </p:cNvPr>
+          <p:cNvSpPr txBox="1"/>
+          <p:nvPr/>
+        </p:nvSpPr>
+        <p:spPr>
+          <a:xfrm>
+            <a:off x="8095668" y="4874156"/>
+            <a:ext cx="1229824" cy="369332"/>
+          </a:xfrm>
+          <a:prstGeom prst="rect">
+            <a:avLst/>
+          </a:prstGeom>
+          <a:noFill/>
+        </p:spPr>
+        <p:txBody>
+          <a:bodyPr wrap="none" rtlCol="0">
+            <a:spAutoFit/>
+          </a:bodyPr>
+          <a:lstStyle/>
+          <a:p>
+            <a:r>
+              <a:rPr kumimoji="1" lang="zh-CN" altLang="en-US" dirty="0"/>
+              <a:t>特殊情况</a:t>
+            </a:r>
+            <a:r>
+              <a:rPr kumimoji="1" lang="en-US" altLang="zh-CN" dirty="0"/>
+              <a:t>1</a:t>
+            </a:r>
+            <a:endParaRPr kumimoji="1" lang="zh-CN" altLang="en-US" dirty="0"/>
+          </a:p>
+        </p:txBody>
+      </p:sp>
+      <p:grpSp>
+        <p:nvGrpSpPr>
+          <p:cNvPr id="43" name="组合 42">
+            <a:extLst>
+              <a:ext uri="{FF2B5EF4-FFF2-40B4-BE49-F238E27FC236}">
+                <a16:creationId xmlns:a16="http://schemas.microsoft.com/office/drawing/2014/main" id="{F0C9D810-C391-3544-975C-13084047D1D6}"/>
+              </a:ext>
+            </a:extLst>
+          </p:cNvPr>
+          <p:cNvGrpSpPr/>
+          <p:nvPr/>
+        </p:nvGrpSpPr>
+        <p:grpSpPr>
+          <a:xfrm>
+            <a:off x="10636355" y="1941557"/>
+            <a:ext cx="2440312" cy="2393015"/>
+            <a:chOff x="9058961" y="1639081"/>
+            <a:chExt cx="2440312" cy="2393015"/>
+          </a:xfrm>
+        </p:grpSpPr>
+        <p:sp>
+          <p:nvSpPr>
+            <p:cNvPr id="44" name="矩形 43">
+              <a:extLst>
+                <a:ext uri="{FF2B5EF4-FFF2-40B4-BE49-F238E27FC236}">
+                  <a16:creationId xmlns:a16="http://schemas.microsoft.com/office/drawing/2014/main" id="{387F83F1-8AD7-4246-BB01-179BC00B8F74}"/>
+                </a:ext>
+              </a:extLst>
+            </p:cNvPr>
+            <p:cNvSpPr/>
+            <p:nvPr/>
+          </p:nvSpPr>
+          <p:spPr>
+            <a:xfrm>
+              <a:off x="9067560" y="1639081"/>
+              <a:ext cx="2431712" cy="2393015"/>
+            </a:xfrm>
+            <a:prstGeom prst="rect">
+              <a:avLst/>
+            </a:prstGeom>
+            <a:noFill/>
+            <a:ln w="25400">
+              <a:solidFill>
+                <a:schemeClr val="accent6">
+                  <a:lumMod val="60000"/>
+                  <a:lumOff val="40000"/>
+                </a:schemeClr>
+              </a:solidFill>
+            </a:ln>
+          </p:spPr>
+          <p:style>
+            <a:lnRef idx="2">
+              <a:schemeClr val="accent1">
+                <a:shade val="50000"/>
+              </a:schemeClr>
+            </a:lnRef>
+            <a:fillRef idx="1">
+              <a:schemeClr val="accent1"/>
+            </a:fillRef>
+            <a:effectRef idx="0">
+              <a:schemeClr val="accent1"/>
+            </a:effectRef>
+            <a:fontRef idx="minor">
+              <a:schemeClr val="lt1"/>
+            </a:fontRef>
+          </p:style>
+          <p:txBody>
+            <a:bodyPr rtlCol="0" anchor="ctr"/>
+            <a:lstStyle/>
+            <a:p>
+              <a:pPr algn="ctr"/>
+              <a:endParaRPr kumimoji="1" lang="zh-CN" altLang="en-US" dirty="0"/>
+            </a:p>
+          </p:txBody>
+        </p:sp>
+        <p:cxnSp>
+          <p:nvCxnSpPr>
+            <p:cNvPr id="45" name="直线连接符 44">
+              <a:extLst>
+                <a:ext uri="{FF2B5EF4-FFF2-40B4-BE49-F238E27FC236}">
+                  <a16:creationId xmlns:a16="http://schemas.microsoft.com/office/drawing/2014/main" id="{B520FCFD-940C-454B-BE7F-B8E26133D8F8}"/>
+                </a:ext>
+              </a:extLst>
+            </p:cNvPr>
+            <p:cNvCxnSpPr>
+              <a:cxnSpLocks/>
+            </p:cNvCxnSpPr>
+            <p:nvPr/>
+          </p:nvCxnSpPr>
+          <p:spPr>
+            <a:xfrm flipH="1">
+              <a:off x="9067560" y="1639081"/>
+              <a:ext cx="2431713" cy="2393015"/>
+            </a:xfrm>
+            <a:prstGeom prst="line">
+              <a:avLst/>
+            </a:prstGeom>
+          </p:spPr>
+          <p:style>
+            <a:lnRef idx="1">
+              <a:schemeClr val="accent1"/>
+            </a:lnRef>
+            <a:fillRef idx="0">
+              <a:schemeClr val="accent1"/>
+            </a:fillRef>
+            <a:effectRef idx="0">
+              <a:schemeClr val="accent1"/>
+            </a:effectRef>
+            <a:fontRef idx="minor">
+              <a:schemeClr val="tx1"/>
+            </a:fontRef>
+          </p:style>
+        </p:cxnSp>
+        <p:cxnSp>
+          <p:nvCxnSpPr>
+            <p:cNvPr id="46" name="直线连接符 45">
+              <a:extLst>
+                <a:ext uri="{FF2B5EF4-FFF2-40B4-BE49-F238E27FC236}">
+                  <a16:creationId xmlns:a16="http://schemas.microsoft.com/office/drawing/2014/main" id="{DAE0B57D-DF73-1E4C-A7FE-E95164AF326A}"/>
+                </a:ext>
+              </a:extLst>
+            </p:cNvPr>
+            <p:cNvCxnSpPr>
+              <a:cxnSpLocks/>
+            </p:cNvCxnSpPr>
+            <p:nvPr/>
+          </p:nvCxnSpPr>
+          <p:spPr>
+            <a:xfrm>
+              <a:off x="9058961" y="1639081"/>
+              <a:ext cx="2440311" cy="2393015"/>
+            </a:xfrm>
+            <a:prstGeom prst="line">
+              <a:avLst/>
+            </a:prstGeom>
+          </p:spPr>
+          <p:style>
+            <a:lnRef idx="1">
+              <a:schemeClr val="accent1"/>
+            </a:lnRef>
+            <a:fillRef idx="0">
+              <a:schemeClr val="accent1"/>
+            </a:fillRef>
+            <a:effectRef idx="0">
+              <a:schemeClr val="accent1"/>
+            </a:effectRef>
+            <a:fontRef idx="minor">
+              <a:schemeClr val="tx1"/>
+            </a:fontRef>
+          </p:style>
+        </p:cxnSp>
+        <p:sp>
+          <p:nvSpPr>
+            <p:cNvPr id="47" name="椭圆 46">
+              <a:extLst>
+                <a:ext uri="{FF2B5EF4-FFF2-40B4-BE49-F238E27FC236}">
+                  <a16:creationId xmlns:a16="http://schemas.microsoft.com/office/drawing/2014/main" id="{630AC7B4-EA5D-3B49-8DBF-7BB0C2C5460D}"/>
+                </a:ext>
+              </a:extLst>
+            </p:cNvPr>
+            <p:cNvSpPr/>
+            <p:nvPr/>
+          </p:nvSpPr>
+          <p:spPr>
+            <a:xfrm>
+              <a:off x="10202916" y="2752460"/>
+              <a:ext cx="152400" cy="166255"/>
+            </a:xfrm>
+            <a:prstGeom prst="ellipse">
+              <a:avLst/>
+            </a:prstGeom>
+          </p:spPr>
+          <p:style>
+            <a:lnRef idx="2">
+              <a:schemeClr val="accent1">
+                <a:shade val="50000"/>
+              </a:schemeClr>
+            </a:lnRef>
+            <a:fillRef idx="1">
+              <a:schemeClr val="accent1"/>
+            </a:fillRef>
+            <a:effectRef idx="0">
+              <a:schemeClr val="accent1"/>
+            </a:effectRef>
+            <a:fontRef idx="minor">
+              <a:schemeClr val="lt1"/>
+            </a:fontRef>
+          </p:style>
+          <p:txBody>
+            <a:bodyPr rtlCol="0" anchor="ctr"/>
+            <a:lstStyle/>
+            <a:p>
+              <a:pPr algn="ctr"/>
+              <a:endParaRPr kumimoji="1" lang="zh-CN" altLang="en-US"/>
+            </a:p>
+          </p:txBody>
+        </p:sp>
+      </p:grpSp>
+      <p:grpSp>
+        <p:nvGrpSpPr>
+          <p:cNvPr id="48" name="组合 47">
+            <a:extLst>
+              <a:ext uri="{FF2B5EF4-FFF2-40B4-BE49-F238E27FC236}">
+                <a16:creationId xmlns:a16="http://schemas.microsoft.com/office/drawing/2014/main" id="{D1000876-CDBB-FB4F-926C-BCF5CCB4948A}"/>
+              </a:ext>
+            </a:extLst>
+          </p:cNvPr>
+          <p:cNvGrpSpPr/>
+          <p:nvPr/>
+        </p:nvGrpSpPr>
+        <p:grpSpPr>
+          <a:xfrm>
+            <a:off x="10981286" y="1537077"/>
+            <a:ext cx="1742806" cy="1731818"/>
+            <a:chOff x="6911029" y="540750"/>
+            <a:chExt cx="1742806" cy="1731818"/>
+          </a:xfrm>
+        </p:grpSpPr>
+        <p:sp>
+          <p:nvSpPr>
+            <p:cNvPr id="49" name="矩形 48">
+              <a:extLst>
+                <a:ext uri="{FF2B5EF4-FFF2-40B4-BE49-F238E27FC236}">
+                  <a16:creationId xmlns:a16="http://schemas.microsoft.com/office/drawing/2014/main" id="{12C0FA53-794C-E648-997C-6B69333FC8CF}"/>
+                </a:ext>
+              </a:extLst>
+            </p:cNvPr>
+            <p:cNvSpPr/>
+            <p:nvPr/>
+          </p:nvSpPr>
+          <p:spPr>
+            <a:xfrm>
+              <a:off x="6919628" y="548394"/>
+              <a:ext cx="1734207" cy="1723697"/>
+            </a:xfrm>
+            <a:prstGeom prst="rect">
+              <a:avLst/>
+            </a:prstGeom>
+            <a:noFill/>
+            <a:ln w="25400">
+              <a:solidFill>
+                <a:schemeClr val="accent2">
+                  <a:lumMod val="60000"/>
+                  <a:lumOff val="40000"/>
+                </a:schemeClr>
+              </a:solidFill>
+            </a:ln>
+          </p:spPr>
+          <p:style>
+            <a:lnRef idx="2">
+              <a:schemeClr val="accent1">
+                <a:shade val="50000"/>
+              </a:schemeClr>
+            </a:lnRef>
+            <a:fillRef idx="1">
+              <a:schemeClr val="accent1"/>
+            </a:fillRef>
+            <a:effectRef idx="0">
+              <a:schemeClr val="accent1"/>
+            </a:effectRef>
+            <a:fontRef idx="minor">
+              <a:schemeClr val="lt1"/>
+            </a:fontRef>
+          </p:style>
+          <p:txBody>
+            <a:bodyPr rtlCol="0" anchor="ctr"/>
+            <a:lstStyle/>
+            <a:p>
+              <a:pPr algn="ctr"/>
+              <a:endParaRPr kumimoji="1" lang="zh-CN" altLang="en-US"/>
+            </a:p>
+          </p:txBody>
+        </p:sp>
+        <p:cxnSp>
+          <p:nvCxnSpPr>
+            <p:cNvPr id="50" name="直线连接符 49">
+              <a:extLst>
+                <a:ext uri="{FF2B5EF4-FFF2-40B4-BE49-F238E27FC236}">
+                  <a16:creationId xmlns:a16="http://schemas.microsoft.com/office/drawing/2014/main" id="{215DAC54-4F31-B642-9143-CF68140B2BEA}"/>
+                </a:ext>
+              </a:extLst>
+            </p:cNvPr>
+            <p:cNvCxnSpPr/>
+            <p:nvPr/>
+          </p:nvCxnSpPr>
+          <p:spPr>
+            <a:xfrm>
+              <a:off x="6927272" y="540750"/>
+              <a:ext cx="1717964" cy="1731818"/>
+            </a:xfrm>
+            <a:prstGeom prst="line">
+              <a:avLst/>
+            </a:prstGeom>
+          </p:spPr>
+          <p:style>
+            <a:lnRef idx="1">
+              <a:schemeClr val="accent1"/>
+            </a:lnRef>
+            <a:fillRef idx="0">
+              <a:schemeClr val="accent1"/>
+            </a:fillRef>
+            <a:effectRef idx="0">
+              <a:schemeClr val="accent1"/>
+            </a:effectRef>
+            <a:fontRef idx="minor">
+              <a:schemeClr val="tx1"/>
+            </a:fontRef>
+          </p:style>
+        </p:cxnSp>
+        <p:cxnSp>
+          <p:nvCxnSpPr>
+            <p:cNvPr id="51" name="直线连接符 50">
+              <a:extLst>
+                <a:ext uri="{FF2B5EF4-FFF2-40B4-BE49-F238E27FC236}">
+                  <a16:creationId xmlns:a16="http://schemas.microsoft.com/office/drawing/2014/main" id="{E8C14BFD-1CE5-4643-B2CC-4A23F62665CE}"/>
+                </a:ext>
+              </a:extLst>
+            </p:cNvPr>
+            <p:cNvCxnSpPr>
+              <a:cxnSpLocks/>
+            </p:cNvCxnSpPr>
+            <p:nvPr/>
+          </p:nvCxnSpPr>
+          <p:spPr>
+            <a:xfrm flipH="1">
+              <a:off x="6911029" y="547917"/>
+              <a:ext cx="1734207" cy="1724174"/>
+            </a:xfrm>
+            <a:prstGeom prst="line">
+              <a:avLst/>
+            </a:prstGeom>
+          </p:spPr>
+          <p:style>
+            <a:lnRef idx="1">
+              <a:schemeClr val="accent1"/>
+            </a:lnRef>
+            <a:fillRef idx="0">
+              <a:schemeClr val="accent1"/>
+            </a:fillRef>
+            <a:effectRef idx="0">
+              <a:schemeClr val="accent1"/>
+            </a:effectRef>
+            <a:fontRef idx="minor">
+              <a:schemeClr val="tx1"/>
+            </a:fontRef>
+          </p:style>
+        </p:cxnSp>
+        <p:sp>
+          <p:nvSpPr>
+            <p:cNvPr id="52" name="椭圆 51">
+              <a:extLst>
+                <a:ext uri="{FF2B5EF4-FFF2-40B4-BE49-F238E27FC236}">
+                  <a16:creationId xmlns:a16="http://schemas.microsoft.com/office/drawing/2014/main" id="{803E32B0-3DFF-5C47-B769-A62880DC141B}"/>
+                </a:ext>
+              </a:extLst>
+            </p:cNvPr>
+            <p:cNvSpPr/>
+            <p:nvPr/>
+          </p:nvSpPr>
+          <p:spPr>
+            <a:xfrm>
+              <a:off x="7703120" y="1330467"/>
+              <a:ext cx="152400" cy="166255"/>
+            </a:xfrm>
+            <a:prstGeom prst="ellipse">
+              <a:avLst/>
+            </a:prstGeom>
+          </p:spPr>
+          <p:style>
+            <a:lnRef idx="2">
+              <a:schemeClr val="accent1">
+                <a:shade val="50000"/>
+              </a:schemeClr>
+            </a:lnRef>
+            <a:fillRef idx="1">
+              <a:schemeClr val="accent1"/>
+            </a:fillRef>
+            <a:effectRef idx="0">
+              <a:schemeClr val="accent1"/>
+            </a:effectRef>
+            <a:fontRef idx="minor">
+              <a:schemeClr val="lt1"/>
+            </a:fontRef>
+          </p:style>
+          <p:txBody>
+            <a:bodyPr rtlCol="0" anchor="ctr"/>
+            <a:lstStyle/>
+            <a:p>
+              <a:pPr algn="ctr"/>
+              <a:endParaRPr kumimoji="1" lang="zh-CN" altLang="en-US"/>
+            </a:p>
+          </p:txBody>
+        </p:sp>
+      </p:grpSp>
+      <p:cxnSp>
+        <p:nvCxnSpPr>
+          <p:cNvPr id="53" name="直线连接符 52">
+            <a:extLst>
+              <a:ext uri="{FF2B5EF4-FFF2-40B4-BE49-F238E27FC236}">
+                <a16:creationId xmlns:a16="http://schemas.microsoft.com/office/drawing/2014/main" id="{55F7FFB8-1375-B540-9F08-77A66DDC3249}"/>
+              </a:ext>
+            </a:extLst>
+          </p:cNvPr>
+          <p:cNvCxnSpPr>
+            <a:cxnSpLocks/>
+          </p:cNvCxnSpPr>
+          <p:nvPr/>
+        </p:nvCxnSpPr>
+        <p:spPr>
+          <a:xfrm flipH="1">
+            <a:off x="11846121" y="830072"/>
+            <a:ext cx="10390" cy="3278510"/>
+          </a:xfrm>
+          <a:prstGeom prst="line">
+            <a:avLst/>
+          </a:prstGeom>
+          <a:ln w="25400">
+            <a:solidFill>
+              <a:schemeClr val="accent2">
+                <a:lumMod val="75000"/>
+              </a:schemeClr>
+            </a:solidFill>
+          </a:ln>
+        </p:spPr>
+        <p:style>
+          <a:lnRef idx="1">
+            <a:schemeClr val="accent1"/>
+          </a:lnRef>
+          <a:fillRef idx="0">
+            <a:schemeClr val="accent1"/>
+          </a:fillRef>
+          <a:effectRef idx="0">
+            <a:schemeClr val="accent1"/>
+          </a:effectRef>
+          <a:fontRef idx="minor">
+            <a:schemeClr val="tx1"/>
+          </a:fontRef>
+        </p:style>
+      </p:cxnSp>
+      <p:sp>
+        <p:nvSpPr>
+          <p:cNvPr id="54" name="文本框 53">
+            <a:extLst>
+              <a:ext uri="{FF2B5EF4-FFF2-40B4-BE49-F238E27FC236}">
+                <a16:creationId xmlns:a16="http://schemas.microsoft.com/office/drawing/2014/main" id="{4F89E453-0A50-8A48-82C0-01D4A630C166}"/>
+              </a:ext>
+            </a:extLst>
+          </p:cNvPr>
+          <p:cNvSpPr txBox="1"/>
+          <p:nvPr/>
+        </p:nvSpPr>
+        <p:spPr>
+          <a:xfrm>
+            <a:off x="10962176" y="4890655"/>
+            <a:ext cx="1229824" cy="369332"/>
+          </a:xfrm>
+          <a:prstGeom prst="rect">
+            <a:avLst/>
+          </a:prstGeom>
+          <a:noFill/>
+        </p:spPr>
+        <p:txBody>
+          <a:bodyPr wrap="none" rtlCol="0">
+            <a:spAutoFit/>
+          </a:bodyPr>
+          <a:lstStyle/>
+          <a:p>
+            <a:r>
+              <a:rPr kumimoji="1" lang="zh-CN" altLang="en-US" dirty="0"/>
+              <a:t>特殊情况</a:t>
+            </a:r>
+            <a:r>
+              <a:rPr kumimoji="1" lang="en-US" altLang="zh-CN" dirty="0"/>
+              <a:t>2</a:t>
+            </a:r>
+            <a:endParaRPr kumimoji="1" lang="zh-CN" altLang="en-US" dirty="0"/>
+          </a:p>
+        </p:txBody>
+      </p:sp>
+    </p:spTree>
+    <p:extLst>
+      <p:ext uri="{BB962C8B-B14F-4D97-AF65-F5344CB8AC3E}">
+        <p14:creationId xmlns:p14="http://schemas.microsoft.com/office/powerpoint/2010/main" val="3347580776"/>
       </p:ext>
     </p:extLst>
   </p:cSld>
